--- a/slides/2.0/Angular 2.0 Slides Day 2.pptx
+++ b/slides/2.0/Angular 2.0 Slides Day 2.pptx
@@ -6849,7 +6849,13 @@
           <a:p>
             <a:pPr/>
             <a:r>
-              <a:t>"Decorator" pattern adds functionality </a:t>
+              <a:t>"Decorator" pattern adds functionality</a:t>
+            </a:r>
+          </a:p>
+          <a:p>
+            <a:pPr/>
+            <a:r>
+              <a:t>Important: No semicolon after decorator </a:t>
             </a:r>
           </a:p>
         </p:txBody>

--- a/slides/2.0/Angular 2.0 Slides Day 2.pptx
+++ b/slides/2.0/Angular 2.0 Slides Day 2.pptx
@@ -542,8 +542,8 @@
       </p:grpSpPr>
       <p:sp>
         <p:nvSpPr>
-          <p:cNvPr id="11" name="Shape 11"/>
-          <p:cNvSpPr/>
+          <p:cNvPr id="11" name="Title Text"/>
+          <p:cNvSpPr txBox="1"/>
           <p:nvPr>
             <p:ph type="title"/>
           </p:nvPr>
@@ -570,8 +570,8 @@
       </p:sp>
       <p:sp>
         <p:nvSpPr>
-          <p:cNvPr id="12" name="Shape 12"/>
-          <p:cNvSpPr/>
+          <p:cNvPr id="12" name="Body Level One…"/>
+          <p:cNvSpPr txBox="1"/>
           <p:nvPr>
             <p:ph type="body" sz="quarter" idx="1"/>
           </p:nvPr>
@@ -663,8 +663,8 @@
       </p:sp>
       <p:sp>
         <p:nvSpPr>
-          <p:cNvPr id="13" name="Shape 13"/>
-          <p:cNvSpPr/>
+          <p:cNvPr id="13" name="Slide Number"/>
+          <p:cNvSpPr txBox="1"/>
           <p:nvPr>
             <p:ph type="sldNum" sz="quarter" idx="2"/>
           </p:nvPr>
@@ -711,8 +711,8 @@
       </p:grpSpPr>
       <p:sp>
         <p:nvSpPr>
-          <p:cNvPr id="93" name="Shape 93"/>
-          <p:cNvSpPr/>
+          <p:cNvPr id="93" name="–Johnny Appleseed"/>
+          <p:cNvSpPr txBox="1"/>
           <p:nvPr>
             <p:ph type="body" sz="quarter" idx="13"/>
           </p:nvPr>
@@ -750,8 +750,8 @@
       </p:sp>
       <p:sp>
         <p:nvSpPr>
-          <p:cNvPr id="94" name="Shape 94"/>
-          <p:cNvSpPr/>
+          <p:cNvPr id="94" name="“Type a quote here.”"/>
+          <p:cNvSpPr txBox="1"/>
           <p:nvPr>
             <p:ph type="body" sz="quarter" idx="14"/>
           </p:nvPr>
@@ -788,8 +788,8 @@
       </p:sp>
       <p:sp>
         <p:nvSpPr>
-          <p:cNvPr id="95" name="Shape 95"/>
-          <p:cNvSpPr/>
+          <p:cNvPr id="95" name="Slide Number"/>
+          <p:cNvSpPr txBox="1"/>
           <p:nvPr>
             <p:ph type="sldNum" sz="quarter" idx="2"/>
           </p:nvPr>
@@ -836,7 +836,7 @@
       </p:grpSpPr>
       <p:sp>
         <p:nvSpPr>
-          <p:cNvPr id="102" name="Shape 102"/>
+          <p:cNvPr id="102" name="Image"/>
           <p:cNvSpPr/>
           <p:nvPr>
             <p:ph type="pic" idx="13"/>
@@ -863,8 +863,8 @@
       </p:sp>
       <p:sp>
         <p:nvSpPr>
-          <p:cNvPr id="103" name="Shape 103"/>
-          <p:cNvSpPr/>
+          <p:cNvPr id="103" name="Slide Number"/>
+          <p:cNvSpPr txBox="1"/>
           <p:nvPr>
             <p:ph type="sldNum" sz="quarter" idx="2"/>
           </p:nvPr>
@@ -911,8 +911,8 @@
       </p:grpSpPr>
       <p:sp>
         <p:nvSpPr>
-          <p:cNvPr id="110" name="Shape 110"/>
-          <p:cNvSpPr/>
+          <p:cNvPr id="110" name="Slide Number"/>
+          <p:cNvSpPr txBox="1"/>
           <p:nvPr>
             <p:ph type="sldNum" sz="quarter" idx="2"/>
           </p:nvPr>
@@ -959,7 +959,7 @@
       </p:grpSpPr>
       <p:sp>
         <p:nvSpPr>
-          <p:cNvPr id="20" name="Shape 20"/>
+          <p:cNvPr id="20" name="Image"/>
           <p:cNvSpPr/>
           <p:nvPr>
             <p:ph type="pic" idx="13"/>
@@ -986,8 +986,8 @@
       </p:sp>
       <p:sp>
         <p:nvSpPr>
-          <p:cNvPr id="21" name="Shape 21"/>
-          <p:cNvSpPr/>
+          <p:cNvPr id="21" name="Title Text"/>
+          <p:cNvSpPr txBox="1"/>
           <p:nvPr>
             <p:ph type="title"/>
           </p:nvPr>
@@ -1014,8 +1014,8 @@
       </p:sp>
       <p:sp>
         <p:nvSpPr>
-          <p:cNvPr id="22" name="Shape 22"/>
-          <p:cNvSpPr/>
+          <p:cNvPr id="22" name="Body Level One…"/>
+          <p:cNvSpPr txBox="1"/>
           <p:nvPr>
             <p:ph type="body" sz="quarter" idx="1"/>
           </p:nvPr>
@@ -1107,8 +1107,8 @@
       </p:sp>
       <p:sp>
         <p:nvSpPr>
-          <p:cNvPr id="23" name="Shape 23"/>
-          <p:cNvSpPr/>
+          <p:cNvPr id="23" name="Slide Number"/>
+          <p:cNvSpPr txBox="1"/>
           <p:nvPr>
             <p:ph type="sldNum" sz="quarter" idx="2"/>
           </p:nvPr>
@@ -1155,8 +1155,8 @@
       </p:grpSpPr>
       <p:sp>
         <p:nvSpPr>
-          <p:cNvPr id="30" name="Shape 30"/>
-          <p:cNvSpPr/>
+          <p:cNvPr id="30" name="Title Text"/>
+          <p:cNvSpPr txBox="1"/>
           <p:nvPr>
             <p:ph type="title"/>
           </p:nvPr>
@@ -1183,8 +1183,8 @@
       </p:sp>
       <p:sp>
         <p:nvSpPr>
-          <p:cNvPr id="31" name="Shape 31"/>
-          <p:cNvSpPr/>
+          <p:cNvPr id="31" name="Slide Number"/>
+          <p:cNvSpPr txBox="1"/>
           <p:nvPr>
             <p:ph type="sldNum" sz="quarter" idx="2"/>
           </p:nvPr>
@@ -1231,7 +1231,7 @@
       </p:grpSpPr>
       <p:sp>
         <p:nvSpPr>
-          <p:cNvPr id="38" name="Shape 38"/>
+          <p:cNvPr id="38" name="Image"/>
           <p:cNvSpPr/>
           <p:nvPr>
             <p:ph type="pic" sz="half" idx="13"/>
@@ -1258,8 +1258,8 @@
       </p:sp>
       <p:sp>
         <p:nvSpPr>
-          <p:cNvPr id="39" name="Shape 39"/>
-          <p:cNvSpPr/>
+          <p:cNvPr id="39" name="Title Text"/>
+          <p:cNvSpPr txBox="1"/>
           <p:nvPr>
             <p:ph type="title"/>
           </p:nvPr>
@@ -1290,8 +1290,8 @@
       </p:sp>
       <p:sp>
         <p:nvSpPr>
-          <p:cNvPr id="40" name="Shape 40"/>
-          <p:cNvSpPr/>
+          <p:cNvPr id="40" name="Body Level One…"/>
+          <p:cNvSpPr txBox="1"/>
           <p:nvPr>
             <p:ph type="body" sz="quarter" idx="1"/>
           </p:nvPr>
@@ -1383,8 +1383,8 @@
       </p:sp>
       <p:sp>
         <p:nvSpPr>
-          <p:cNvPr id="41" name="Shape 41"/>
-          <p:cNvSpPr/>
+          <p:cNvPr id="41" name="Slide Number"/>
+          <p:cNvSpPr txBox="1"/>
           <p:nvPr>
             <p:ph type="sldNum" sz="quarter" idx="2"/>
           </p:nvPr>
@@ -1431,8 +1431,8 @@
       </p:grpSpPr>
       <p:sp>
         <p:nvSpPr>
-          <p:cNvPr id="48" name="Shape 48"/>
-          <p:cNvSpPr/>
+          <p:cNvPr id="48" name="Title Text"/>
+          <p:cNvSpPr txBox="1"/>
           <p:nvPr>
             <p:ph type="title"/>
           </p:nvPr>
@@ -1455,8 +1455,8 @@
       </p:sp>
       <p:sp>
         <p:nvSpPr>
-          <p:cNvPr id="49" name="Shape 49"/>
-          <p:cNvSpPr/>
+          <p:cNvPr id="49" name="Slide Number"/>
+          <p:cNvSpPr txBox="1"/>
           <p:nvPr>
             <p:ph type="sldNum" sz="quarter" idx="2"/>
           </p:nvPr>
@@ -1503,8 +1503,8 @@
       </p:grpSpPr>
       <p:sp>
         <p:nvSpPr>
-          <p:cNvPr id="56" name="Shape 56"/>
-          <p:cNvSpPr/>
+          <p:cNvPr id="56" name="Title Text"/>
+          <p:cNvSpPr txBox="1"/>
           <p:nvPr>
             <p:ph type="title"/>
           </p:nvPr>
@@ -1527,8 +1527,8 @@
       </p:sp>
       <p:sp>
         <p:nvSpPr>
-          <p:cNvPr id="57" name="Shape 57"/>
-          <p:cNvSpPr/>
+          <p:cNvPr id="57" name="Body Level One…"/>
+          <p:cNvSpPr txBox="1"/>
           <p:nvPr>
             <p:ph type="body" idx="1"/>
           </p:nvPr>
@@ -1575,8 +1575,8 @@
       </p:sp>
       <p:sp>
         <p:nvSpPr>
-          <p:cNvPr id="58" name="Shape 58"/>
-          <p:cNvSpPr/>
+          <p:cNvPr id="58" name="Slide Number"/>
+          <p:cNvSpPr txBox="1"/>
           <p:nvPr>
             <p:ph type="sldNum" sz="quarter" idx="2"/>
           </p:nvPr>
@@ -1623,7 +1623,7 @@
       </p:grpSpPr>
       <p:sp>
         <p:nvSpPr>
-          <p:cNvPr id="65" name="Shape 65"/>
+          <p:cNvPr id="65" name="Image"/>
           <p:cNvSpPr/>
           <p:nvPr>
             <p:ph type="pic" sz="half" idx="13"/>
@@ -1650,8 +1650,8 @@
       </p:sp>
       <p:sp>
         <p:nvSpPr>
-          <p:cNvPr id="66" name="Shape 66"/>
-          <p:cNvSpPr/>
+          <p:cNvPr id="66" name="Title Text"/>
+          <p:cNvSpPr txBox="1"/>
           <p:nvPr>
             <p:ph type="title"/>
           </p:nvPr>
@@ -1674,8 +1674,8 @@
       </p:sp>
       <p:sp>
         <p:nvSpPr>
-          <p:cNvPr id="67" name="Shape 67"/>
-          <p:cNvSpPr/>
+          <p:cNvPr id="67" name="Body Level One…"/>
+          <p:cNvSpPr txBox="1"/>
           <p:nvPr>
             <p:ph type="body" sz="half" idx="1"/>
           </p:nvPr>
@@ -1757,8 +1757,8 @@
       </p:sp>
       <p:sp>
         <p:nvSpPr>
-          <p:cNvPr id="68" name="Shape 68"/>
-          <p:cNvSpPr/>
+          <p:cNvPr id="68" name="Slide Number"/>
+          <p:cNvSpPr txBox="1"/>
           <p:nvPr>
             <p:ph type="sldNum" sz="quarter" idx="2"/>
           </p:nvPr>
@@ -1805,8 +1805,8 @@
       </p:grpSpPr>
       <p:sp>
         <p:nvSpPr>
-          <p:cNvPr id="75" name="Shape 75"/>
-          <p:cNvSpPr/>
+          <p:cNvPr id="75" name="Body Level One…"/>
+          <p:cNvSpPr txBox="1"/>
           <p:nvPr>
             <p:ph type="body" idx="1"/>
           </p:nvPr>
@@ -1857,8 +1857,8 @@
       </p:sp>
       <p:sp>
         <p:nvSpPr>
-          <p:cNvPr id="76" name="Shape 76"/>
-          <p:cNvSpPr/>
+          <p:cNvPr id="76" name="Slide Number"/>
+          <p:cNvSpPr txBox="1"/>
           <p:nvPr>
             <p:ph type="sldNum" sz="quarter" idx="2"/>
           </p:nvPr>
@@ -1905,7 +1905,7 @@
       </p:grpSpPr>
       <p:sp>
         <p:nvSpPr>
-          <p:cNvPr id="83" name="Shape 83"/>
+          <p:cNvPr id="83" name="Image"/>
           <p:cNvSpPr/>
           <p:nvPr>
             <p:ph type="pic" sz="quarter" idx="13"/>
@@ -1932,7 +1932,7 @@
       </p:sp>
       <p:sp>
         <p:nvSpPr>
-          <p:cNvPr id="84" name="Shape 84"/>
+          <p:cNvPr id="84" name="Image"/>
           <p:cNvSpPr/>
           <p:nvPr>
             <p:ph type="pic" sz="quarter" idx="14"/>
@@ -1959,7 +1959,7 @@
       </p:sp>
       <p:sp>
         <p:nvSpPr>
-          <p:cNvPr id="85" name="Shape 85"/>
+          <p:cNvPr id="85" name="Image"/>
           <p:cNvSpPr/>
           <p:nvPr>
             <p:ph type="pic" sz="half" idx="15"/>
@@ -1986,8 +1986,8 @@
       </p:sp>
       <p:sp>
         <p:nvSpPr>
-          <p:cNvPr id="86" name="Shape 86"/>
-          <p:cNvSpPr/>
+          <p:cNvPr id="86" name="Slide Number"/>
+          <p:cNvSpPr txBox="1"/>
           <p:nvPr>
             <p:ph type="sldNum" sz="quarter" idx="2"/>
           </p:nvPr>
@@ -2041,8 +2041,8 @@
       </p:grpSpPr>
       <p:sp>
         <p:nvSpPr>
-          <p:cNvPr id="2" name="Shape 2"/>
-          <p:cNvSpPr/>
+          <p:cNvPr id="2" name="Title Text"/>
+          <p:cNvSpPr txBox="1"/>
           <p:nvPr>
             <p:ph type="title"/>
           </p:nvPr>
@@ -2079,8 +2079,8 @@
       </p:sp>
       <p:sp>
         <p:nvSpPr>
-          <p:cNvPr id="3" name="Shape 3"/>
-          <p:cNvSpPr/>
+          <p:cNvPr id="3" name="Body Level One…"/>
+          <p:cNvSpPr txBox="1"/>
           <p:nvPr>
             <p:ph type="body" idx="1"/>
           </p:nvPr>
@@ -2141,8 +2141,8 @@
       </p:sp>
       <p:sp>
         <p:nvSpPr>
-          <p:cNvPr id="4" name="Shape 4"/>
-          <p:cNvSpPr/>
+          <p:cNvPr id="4" name="Slide Number"/>
+          <p:cNvSpPr txBox="1"/>
           <p:nvPr>
             <p:ph type="sldNum" sz="quarter" idx="2"/>
           </p:nvPr>
@@ -3005,8 +3005,8 @@
       </p:grpSpPr>
       <p:sp>
         <p:nvSpPr>
-          <p:cNvPr id="119" name="Shape 119"/>
-          <p:cNvSpPr/>
+          <p:cNvPr id="119" name="Angular 2.0"/>
+          <p:cNvSpPr txBox="1"/>
           <p:nvPr>
             <p:ph type="ctrTitle"/>
           </p:nvPr>
@@ -3029,8 +3029,8 @@
       </p:sp>
       <p:sp>
         <p:nvSpPr>
-          <p:cNvPr id="120" name="Shape 120"/>
-          <p:cNvSpPr/>
+          <p:cNvPr id="120" name="Elias Carlston, DevelopIntelligence…"/>
+          <p:cNvSpPr txBox="1"/>
           <p:nvPr>
             <p:ph type="subTitle" sz="quarter" idx="1"/>
           </p:nvPr>
@@ -3060,7 +3060,7 @@
               <a:defRPr sz="3600"/>
             </a:pPr>
             <a:r>
-              <a:t>elias@eliascarlston</a:t>
+              <a:t>elias@eliascarlston.com</a:t>
             </a:r>
           </a:p>
           <a:p>
@@ -3104,8 +3104,8 @@
       </p:grpSpPr>
       <p:sp>
         <p:nvSpPr>
-          <p:cNvPr id="146" name="Shape 146"/>
-          <p:cNvSpPr/>
+          <p:cNvPr id="146" name="Components"/>
+          <p:cNvSpPr txBox="1"/>
           <p:nvPr>
             <p:ph type="title"/>
           </p:nvPr>
@@ -3128,8 +3128,8 @@
       </p:sp>
       <p:sp>
         <p:nvSpPr>
-          <p:cNvPr id="147" name="Shape 147"/>
-          <p:cNvSpPr/>
+          <p:cNvPr id="147" name="Template (Expressions)…"/>
+          <p:cNvSpPr txBox="1"/>
           <p:nvPr>
             <p:ph type="body" idx="1"/>
           </p:nvPr>
@@ -3211,8 +3211,8 @@
       </p:grpSpPr>
       <p:sp>
         <p:nvSpPr>
-          <p:cNvPr id="149" name="Shape 149"/>
-          <p:cNvSpPr/>
+          <p:cNvPr id="149" name="Components"/>
+          <p:cNvSpPr txBox="1"/>
           <p:nvPr>
             <p:ph type="title"/>
           </p:nvPr>
@@ -3235,8 +3235,8 @@
       </p:sp>
       <p:sp>
         <p:nvSpPr>
-          <p:cNvPr id="150" name="Shape 150"/>
-          <p:cNvSpPr/>
+          <p:cNvPr id="150" name="Logic / Behavior (Controller)…"/>
+          <p:cNvSpPr txBox="1"/>
           <p:nvPr>
             <p:ph type="body" idx="1"/>
           </p:nvPr>
@@ -3318,8 +3318,8 @@
       </p:grpSpPr>
       <p:sp>
         <p:nvSpPr>
-          <p:cNvPr id="152" name="Shape 152"/>
-          <p:cNvSpPr/>
+          <p:cNvPr id="152" name="Components"/>
+          <p:cNvSpPr txBox="1"/>
           <p:nvPr>
             <p:ph type="title"/>
           </p:nvPr>
@@ -3342,8 +3342,8 @@
       </p:sp>
       <p:sp>
         <p:nvSpPr>
-          <p:cNvPr id="153" name="Shape 153"/>
-          <p:cNvSpPr/>
+          <p:cNvPr id="153" name="import { Component } from '@angular/core';…"/>
+          <p:cNvSpPr txBox="1"/>
           <p:nvPr>
             <p:ph type="body" sz="half" idx="1"/>
           </p:nvPr>
@@ -3507,8 +3507,8 @@
       </p:sp>
       <p:sp>
         <p:nvSpPr>
-          <p:cNvPr id="154" name="Shape 154"/>
-          <p:cNvSpPr/>
+          <p:cNvPr id="154" name="Everything this module needs must be imported…"/>
+          <p:cNvSpPr txBox="1"/>
           <p:nvPr/>
         </p:nvSpPr>
         <p:spPr>
@@ -3727,8 +3727,8 @@
       </p:grpSpPr>
       <p:sp>
         <p:nvSpPr>
-          <p:cNvPr id="156" name="Shape 156"/>
-          <p:cNvSpPr/>
+          <p:cNvPr id="156" name="Component Lab"/>
+          <p:cNvSpPr txBox="1"/>
           <p:nvPr>
             <p:ph type="title"/>
           </p:nvPr>
@@ -3751,8 +3751,8 @@
       </p:sp>
       <p:sp>
         <p:nvSpPr>
-          <p:cNvPr id="157" name="Shape 157"/>
-          <p:cNvSpPr/>
+          <p:cNvPr id="157" name="Create a simple component…"/>
+          <p:cNvSpPr txBox="1"/>
           <p:nvPr>
             <p:ph type="body" idx="1"/>
           </p:nvPr>
@@ -3896,8 +3896,8 @@
       </p:grpSpPr>
       <p:sp>
         <p:nvSpPr>
-          <p:cNvPr id="159" name="Shape 159"/>
-          <p:cNvSpPr/>
+          <p:cNvPr id="159" name="Data Binding"/>
+          <p:cNvSpPr txBox="1"/>
           <p:nvPr>
             <p:ph type="title"/>
           </p:nvPr>
@@ -3920,8 +3920,8 @@
       </p:sp>
       <p:sp>
         <p:nvSpPr>
-          <p:cNvPr id="160" name="Shape 160"/>
-          <p:cNvSpPr/>
+          <p:cNvPr id="160" name="Interpolation…"/>
+          <p:cNvSpPr txBox="1"/>
           <p:nvPr>
             <p:ph type="body" idx="1"/>
           </p:nvPr>
@@ -3991,8 +3991,8 @@
       </p:grpSpPr>
       <p:sp>
         <p:nvSpPr>
-          <p:cNvPr id="162" name="Shape 162"/>
-          <p:cNvSpPr/>
+          <p:cNvPr id="162" name="Data Binding"/>
+          <p:cNvSpPr txBox="1"/>
           <p:nvPr>
             <p:ph type="title"/>
           </p:nvPr>
@@ -4015,8 +4015,8 @@
       </p:sp>
       <p:sp>
         <p:nvSpPr>
-          <p:cNvPr id="163" name="Shape 163"/>
-          <p:cNvSpPr/>
+          <p:cNvPr id="163" name="Interpolation…"/>
+          <p:cNvSpPr txBox="1"/>
           <p:nvPr>
             <p:ph type="body" idx="1"/>
           </p:nvPr>
@@ -4092,8 +4092,8 @@
       </p:grpSpPr>
       <p:sp>
         <p:nvSpPr>
-          <p:cNvPr id="165" name="Shape 165"/>
-          <p:cNvSpPr/>
+          <p:cNvPr id="165" name="Data Binding"/>
+          <p:cNvSpPr txBox="1"/>
           <p:nvPr>
             <p:ph type="title"/>
           </p:nvPr>
@@ -4116,8 +4116,8 @@
       </p:sp>
       <p:sp>
         <p:nvSpPr>
-          <p:cNvPr id="166" name="Shape 166"/>
-          <p:cNvSpPr/>
+          <p:cNvPr id="166" name="Interpolation…"/>
+          <p:cNvSpPr txBox="1"/>
           <p:nvPr>
             <p:ph type="body" idx="1"/>
           </p:nvPr>
@@ -4239,8 +4239,8 @@
       </p:grpSpPr>
       <p:sp>
         <p:nvSpPr>
-          <p:cNvPr id="168" name="Shape 168"/>
-          <p:cNvSpPr/>
+          <p:cNvPr id="168" name="Data Binding"/>
+          <p:cNvSpPr txBox="1"/>
           <p:nvPr>
             <p:ph type="title"/>
           </p:nvPr>
@@ -4263,8 +4263,8 @@
       </p:sp>
       <p:sp>
         <p:nvSpPr>
-          <p:cNvPr id="169" name="Shape 169"/>
-          <p:cNvSpPr/>
+          <p:cNvPr id="169" name="Binding Syntax…"/>
+          <p:cNvSpPr txBox="1"/>
           <p:nvPr>
             <p:ph type="body" idx="1"/>
           </p:nvPr>
@@ -4334,8 +4334,8 @@
       </p:grpSpPr>
       <p:sp>
         <p:nvSpPr>
-          <p:cNvPr id="171" name="Shape 171"/>
-          <p:cNvSpPr/>
+          <p:cNvPr id="171" name="Data Binding"/>
+          <p:cNvSpPr txBox="1"/>
           <p:nvPr>
             <p:ph type="title"/>
           </p:nvPr>
@@ -4358,8 +4358,8 @@
       </p:sp>
       <p:sp>
         <p:nvSpPr>
-          <p:cNvPr id="172" name="Shape 172"/>
-          <p:cNvSpPr/>
+          <p:cNvPr id="172" name="Binding Target…"/>
+          <p:cNvSpPr txBox="1"/>
           <p:nvPr>
             <p:ph type="body" idx="1"/>
           </p:nvPr>
@@ -4470,8 +4470,8 @@
       </p:grpSpPr>
       <p:sp>
         <p:nvSpPr>
-          <p:cNvPr id="174" name="Shape 174"/>
-          <p:cNvSpPr/>
+          <p:cNvPr id="174" name="Data Binding"/>
+          <p:cNvSpPr txBox="1"/>
           <p:nvPr>
             <p:ph type="title"/>
           </p:nvPr>
@@ -4494,8 +4494,8 @@
       </p:sp>
       <p:sp>
         <p:nvSpPr>
-          <p:cNvPr id="175" name="Shape 175"/>
-          <p:cNvSpPr/>
+          <p:cNvPr id="175" name="Component Inputs…"/>
+          <p:cNvSpPr txBox="1"/>
           <p:nvPr>
             <p:ph type="body" idx="1"/>
           </p:nvPr>
@@ -4577,8 +4577,8 @@
       </p:grpSpPr>
       <p:sp>
         <p:nvSpPr>
-          <p:cNvPr id="122" name="Shape 122"/>
-          <p:cNvSpPr/>
+          <p:cNvPr id="122" name="Day 2 Schedule"/>
+          <p:cNvSpPr txBox="1"/>
           <p:nvPr>
             <p:ph type="title"/>
           </p:nvPr>
@@ -4601,8 +4601,8 @@
       </p:sp>
       <p:sp>
         <p:nvSpPr>
-          <p:cNvPr id="123" name="Shape 123"/>
-          <p:cNvSpPr/>
+          <p:cNvPr id="123" name="Components…"/>
+          <p:cNvSpPr txBox="1"/>
           <p:nvPr>
             <p:ph type="body" idx="1"/>
           </p:nvPr>
@@ -4681,8 +4681,8 @@
       </p:grpSpPr>
       <p:sp>
         <p:nvSpPr>
-          <p:cNvPr id="177" name="Shape 177"/>
-          <p:cNvSpPr/>
+          <p:cNvPr id="177" name="Data Binding"/>
+          <p:cNvSpPr txBox="1"/>
           <p:nvPr>
             <p:ph type="title"/>
           </p:nvPr>
@@ -4705,8 +4705,8 @@
       </p:sp>
       <p:sp>
         <p:nvSpPr>
-          <p:cNvPr id="178" name="Shape 178"/>
-          <p:cNvSpPr/>
+          <p:cNvPr id="178" name="Template (Recap Component Inputs)…"/>
+          <p:cNvSpPr txBox="1"/>
           <p:nvPr>
             <p:ph type="body" idx="1"/>
           </p:nvPr>
@@ -4788,8 +4788,8 @@
       </p:grpSpPr>
       <p:sp>
         <p:nvSpPr>
-          <p:cNvPr id="180" name="Shape 180"/>
-          <p:cNvSpPr/>
+          <p:cNvPr id="180" name="Lab: Data Binding"/>
+          <p:cNvSpPr txBox="1"/>
           <p:nvPr>
             <p:ph type="title"/>
           </p:nvPr>
@@ -4812,8 +4812,8 @@
       </p:sp>
       <p:sp>
         <p:nvSpPr>
-          <p:cNvPr id="181" name="Shape 181"/>
-          <p:cNvSpPr/>
+          <p:cNvPr id="181" name="Add a dynamic element to template…"/>
+          <p:cNvSpPr txBox="1"/>
           <p:nvPr>
             <p:ph type="body" idx="1"/>
           </p:nvPr>
@@ -4896,8 +4896,8 @@
       </p:grpSpPr>
       <p:sp>
         <p:nvSpPr>
-          <p:cNvPr id="183" name="Shape 183"/>
-          <p:cNvSpPr/>
+          <p:cNvPr id="183" name="Event Binding"/>
+          <p:cNvSpPr txBox="1"/>
           <p:nvPr>
             <p:ph type="title"/>
           </p:nvPr>
@@ -4920,8 +4920,8 @@
       </p:sp>
       <p:sp>
         <p:nvSpPr>
-          <p:cNvPr id="184" name="Shape 184"/>
-          <p:cNvSpPr/>
+          <p:cNvPr id="184" name="Event Binding…"/>
+          <p:cNvSpPr txBox="1"/>
           <p:nvPr>
             <p:ph type="body" idx="1"/>
           </p:nvPr>
@@ -4991,8 +4991,8 @@
       </p:grpSpPr>
       <p:sp>
         <p:nvSpPr>
-          <p:cNvPr id="186" name="Shape 186"/>
-          <p:cNvSpPr/>
+          <p:cNvPr id="186" name="Event Binding"/>
+          <p:cNvSpPr txBox="1"/>
           <p:nvPr>
             <p:ph type="title"/>
           </p:nvPr>
@@ -5015,8 +5015,8 @@
       </p:sp>
       <p:sp>
         <p:nvSpPr>
-          <p:cNvPr id="187" name="Shape 187"/>
-          <p:cNvSpPr/>
+          <p:cNvPr id="187" name="Event Binding Syntax…"/>
+          <p:cNvSpPr txBox="1"/>
           <p:nvPr>
             <p:ph type="body" idx="1"/>
           </p:nvPr>
@@ -5092,8 +5092,8 @@
       </p:grpSpPr>
       <p:sp>
         <p:nvSpPr>
-          <p:cNvPr id="189" name="Shape 189"/>
-          <p:cNvSpPr/>
+          <p:cNvPr id="189" name="Event Binding"/>
+          <p:cNvSpPr txBox="1"/>
           <p:nvPr>
             <p:ph type="title"/>
           </p:nvPr>
@@ -5116,8 +5116,8 @@
       </p:sp>
       <p:sp>
         <p:nvSpPr>
-          <p:cNvPr id="190" name="Shape 190"/>
-          <p:cNvSpPr/>
+          <p:cNvPr id="190" name="Custom Event Binding…"/>
+          <p:cNvSpPr txBox="1"/>
           <p:nvPr>
             <p:ph type="body" idx="1"/>
           </p:nvPr>
@@ -5201,8 +5201,8 @@
       </p:grpSpPr>
       <p:sp>
         <p:nvSpPr>
-          <p:cNvPr id="192" name="Shape 192"/>
-          <p:cNvSpPr/>
+          <p:cNvPr id="192" name="Lab: Event Binding"/>
+          <p:cNvSpPr txBox="1"/>
           <p:nvPr>
             <p:ph type="title"/>
           </p:nvPr>
@@ -5225,8 +5225,8 @@
       </p:sp>
       <p:sp>
         <p:nvSpPr>
-          <p:cNvPr id="193" name="Shape 193"/>
-          <p:cNvSpPr/>
+          <p:cNvPr id="193" name="04-binding-properties-events…"/>
+          <p:cNvSpPr txBox="1"/>
           <p:nvPr>
             <p:ph type="body" idx="1"/>
           </p:nvPr>
@@ -5240,43 +5240,93 @@
           <a:bodyPr anchor="t"/>
           <a:lstStyle/>
           <a:p>
-            <a:pPr marL="444500" indent="-444500">
-              <a:defRPr sz="3200"/>
-            </a:pPr>
-            <a:r>
-              <a:t>Add a public method to Component</a:t>
-            </a:r>
-          </a:p>
-          <a:p>
-            <a:pPr lvl="1">
-              <a:defRPr sz="3200"/>
-            </a:pPr>
-            <a:r>
-              <a:t>Write a function which toggles the variable between upper &amp; lower case</a:t>
-            </a:r>
-          </a:p>
-          <a:p>
-            <a:pPr lvl="1">
-              <a:defRPr sz="3200"/>
-            </a:pPr>
-            <a:r>
-              <a:t>Make the function available through class export</a:t>
-            </a:r>
-          </a:p>
-          <a:p>
-            <a:pPr marL="444500" indent="-444500">
-              <a:defRPr sz="3200"/>
-            </a:pPr>
-            <a:r>
-              <a:t>Add a button element to template</a:t>
-            </a:r>
-          </a:p>
-          <a:p>
-            <a:pPr lvl="1">
-              <a:defRPr sz="3200"/>
-            </a:pPr>
-            <a:r>
-              <a:t>Bind the click event (parentheses) to the method</a:t>
+            <a:pPr marL="0" indent="0" defTabSz="473201">
+              <a:spcBef>
+                <a:spcPts val="3400"/>
+              </a:spcBef>
+              <a:buSzTx/>
+              <a:buNone/>
+              <a:defRPr sz="2592"/>
+            </a:pPr>
+            <a:r>
+              <a:t>04-binding-properties-events</a:t>
+            </a:r>
+          </a:p>
+          <a:p>
+            <a:pPr marL="360045" indent="-360045" defTabSz="473201">
+              <a:spcBef>
+                <a:spcPts val="3400"/>
+              </a:spcBef>
+              <a:defRPr sz="2592"/>
+            </a:pPr>
+            <a:r>
+              <a:t>Artist component </a:t>
+            </a:r>
+          </a:p>
+          <a:p>
+            <a:pPr lvl="1" marL="720090" indent="-360045" defTabSz="473201">
+              <a:spcBef>
+                <a:spcPts val="3400"/>
+              </a:spcBef>
+              <a:defRPr sz="2592"/>
+            </a:pPr>
+            <a:r>
+              <a:t> Add input element </a:t>
+            </a:r>
+          </a:p>
+          <a:p>
+            <a:pPr lvl="1" marL="720090" indent="-360045" defTabSz="473201">
+              <a:spcBef>
+                <a:spcPts val="3400"/>
+              </a:spcBef>
+              <a:defRPr sz="2592"/>
+            </a:pPr>
+            <a:r>
+              <a:t>  Data bind (square brackets) on value property for display</a:t>
+            </a:r>
+          </a:p>
+          <a:p>
+            <a:pPr lvl="1" marL="720090" indent="-360045" defTabSz="473201">
+              <a:spcBef>
+                <a:spcPts val="3400"/>
+              </a:spcBef>
+              <a:defRPr sz="2592"/>
+            </a:pPr>
+            <a:r>
+              <a:t>  Event bind (parentheses) on change event for user input</a:t>
+            </a:r>
+          </a:p>
+          <a:p>
+            <a:pPr marL="360045" indent="-360045" defTabSz="473201">
+              <a:spcBef>
+                <a:spcPts val="3400"/>
+              </a:spcBef>
+              <a:defRPr sz="2592"/>
+            </a:pPr>
+            <a:r>
+              <a:t>Optional: genre</a:t>
+            </a:r>
+          </a:p>
+          <a:p>
+            <a:pPr lvl="1" marL="720090" indent="-360045" defTabSz="473201">
+              <a:spcBef>
+                <a:spcPts val="3400"/>
+              </a:spcBef>
+              <a:defRPr sz="2592"/>
+            </a:pPr>
+            <a:r>
+              <a:t>  Create genre component</a:t>
+            </a:r>
+          </a:p>
+          <a:p>
+            <a:pPr lvl="1" marL="720090" indent="-360045" defTabSz="473201">
+              <a:spcBef>
+                <a:spcPts val="3400"/>
+              </a:spcBef>
+              <a:defRPr sz="2592"/>
+            </a:pPr>
+            <a:r>
+              <a:t>  Repeat with option/select element</a:t>
             </a:r>
           </a:p>
         </p:txBody>
@@ -5309,8 +5359,8 @@
       </p:grpSpPr>
       <p:sp>
         <p:nvSpPr>
-          <p:cNvPr id="195" name="Shape 195"/>
-          <p:cNvSpPr/>
+          <p:cNvPr id="195" name="Two Way Binding"/>
+          <p:cNvSpPr txBox="1"/>
           <p:nvPr>
             <p:ph type="title"/>
           </p:nvPr>
@@ -5333,8 +5383,8 @@
       </p:sp>
       <p:sp>
         <p:nvSpPr>
-          <p:cNvPr id="196" name="Shape 196"/>
-          <p:cNvSpPr/>
+          <p:cNvPr id="196" name="Two Way Binding means coordinating Input and Output on same data…"/>
+          <p:cNvSpPr txBox="1"/>
           <p:nvPr>
             <p:ph type="body" idx="1"/>
           </p:nvPr>
@@ -5434,8 +5484,8 @@
       </p:grpSpPr>
       <p:sp>
         <p:nvSpPr>
-          <p:cNvPr id="198" name="Shape 198"/>
-          <p:cNvSpPr/>
+          <p:cNvPr id="198" name="Two Way Binding"/>
+          <p:cNvSpPr txBox="1"/>
           <p:nvPr>
             <p:ph type="title"/>
           </p:nvPr>
@@ -5458,8 +5508,8 @@
       </p:sp>
       <p:sp>
         <p:nvSpPr>
-          <p:cNvPr id="199" name="Shape 199"/>
-          <p:cNvSpPr/>
+          <p:cNvPr id="199" name="Two Way Binding syntax…"/>
+          <p:cNvSpPr txBox="1"/>
           <p:nvPr>
             <p:ph type="body" idx="1"/>
           </p:nvPr>
@@ -5543,8 +5593,8 @@
       </p:grpSpPr>
       <p:sp>
         <p:nvSpPr>
-          <p:cNvPr id="201" name="Shape 201"/>
-          <p:cNvSpPr/>
+          <p:cNvPr id="201" name="Two Way Binding"/>
+          <p:cNvSpPr txBox="1"/>
           <p:nvPr>
             <p:ph type="title"/>
           </p:nvPr>
@@ -5567,8 +5617,8 @@
       </p:sp>
       <p:sp>
         <p:nvSpPr>
-          <p:cNvPr id="202" name="Shape 202"/>
-          <p:cNvSpPr/>
+          <p:cNvPr id="202" name="Two Way Binding setup…"/>
+          <p:cNvSpPr txBox="1"/>
           <p:nvPr>
             <p:ph type="body" idx="1"/>
           </p:nvPr>
@@ -5612,6 +5662,14 @@
             </a:pPr>
             <a:r>
               <a:t>@NgModule( { imports: [ …, FormsModule ]…</a:t>
+            </a:r>
+          </a:p>
+          <a:p>
+            <a:pPr marL="444500" indent="-444500">
+              <a:defRPr sz="3200"/>
+            </a:pPr>
+            <a:r>
+              <a:t>&lt;input [(ngModel)]="someData" &gt;</a:t>
             </a:r>
           </a:p>
         </p:txBody>
@@ -5644,8 +5702,8 @@
       </p:grpSpPr>
       <p:sp>
         <p:nvSpPr>
-          <p:cNvPr id="204" name="Shape 204"/>
-          <p:cNvSpPr/>
+          <p:cNvPr id="204" name="Lab: Two Way Binding"/>
+          <p:cNvSpPr txBox="1"/>
           <p:nvPr>
             <p:ph type="title"/>
           </p:nvPr>
@@ -5668,8 +5726,8 @@
       </p:sp>
       <p:sp>
         <p:nvSpPr>
-          <p:cNvPr id="205" name="Shape 205"/>
-          <p:cNvSpPr/>
+          <p:cNvPr id="205" name="Add an event binding to the input…"/>
+          <p:cNvSpPr txBox="1"/>
           <p:nvPr>
             <p:ph type="body" idx="1"/>
           </p:nvPr>
@@ -5752,8 +5810,8 @@
       </p:grpSpPr>
       <p:sp>
         <p:nvSpPr>
-          <p:cNvPr id="125" name="Shape 125"/>
-          <p:cNvSpPr/>
+          <p:cNvPr id="125" name="Components"/>
+          <p:cNvSpPr txBox="1"/>
           <p:nvPr>
             <p:ph type="title"/>
           </p:nvPr>
@@ -5776,8 +5834,8 @@
       </p:sp>
       <p:sp>
         <p:nvSpPr>
-          <p:cNvPr id="126" name="Shape 126"/>
-          <p:cNvSpPr/>
+          <p:cNvPr id="126" name="What is a Component?…"/>
+          <p:cNvSpPr txBox="1"/>
           <p:nvPr>
             <p:ph type="body" idx="1"/>
           </p:nvPr>
@@ -5862,8 +5920,8 @@
       </p:grpSpPr>
       <p:sp>
         <p:nvSpPr>
-          <p:cNvPr id="207" name="Shape 207"/>
-          <p:cNvSpPr/>
+          <p:cNvPr id="207" name="Nested Components"/>
+          <p:cNvSpPr txBox="1"/>
           <p:nvPr>
             <p:ph type="title"/>
           </p:nvPr>
@@ -5886,8 +5944,8 @@
       </p:sp>
       <p:sp>
         <p:nvSpPr>
-          <p:cNvPr id="208" name="Shape 208"/>
-          <p:cNvSpPr/>
+          <p:cNvPr id="208" name="Components are a form of directive…"/>
+          <p:cNvSpPr txBox="1"/>
           <p:nvPr>
             <p:ph type="body" sz="quarter" idx="1"/>
           </p:nvPr>
@@ -5920,8 +5978,8 @@
       </p:sp>
       <p:sp>
         <p:nvSpPr>
-          <p:cNvPr id="209" name="Shape 209"/>
-          <p:cNvSpPr/>
+          <p:cNvPr id="209" name="File: month.html…"/>
+          <p:cNvSpPr txBox="1"/>
           <p:nvPr/>
         </p:nvSpPr>
         <p:spPr>
@@ -5992,8 +6050,8 @@
       </p:sp>
       <p:sp>
         <p:nvSpPr>
-          <p:cNvPr id="210" name="Shape 210"/>
-          <p:cNvSpPr/>
+          <p:cNvPr id="210" name="File: week.html…"/>
+          <p:cNvSpPr txBox="1"/>
           <p:nvPr/>
         </p:nvSpPr>
         <p:spPr>
@@ -6090,8 +6148,8 @@
       </p:grpSpPr>
       <p:sp>
         <p:nvSpPr>
-          <p:cNvPr id="212" name="Shape 212"/>
-          <p:cNvSpPr/>
+          <p:cNvPr id="212" name="Nested Components"/>
+          <p:cNvSpPr txBox="1"/>
           <p:nvPr>
             <p:ph type="title"/>
           </p:nvPr>
@@ -6114,8 +6172,8 @@
       </p:sp>
       <p:sp>
         <p:nvSpPr>
-          <p:cNvPr id="213" name="Shape 213"/>
-          <p:cNvSpPr/>
+          <p:cNvPr id="213" name="Pass data to nested components…"/>
+          <p:cNvSpPr txBox="1"/>
           <p:nvPr>
             <p:ph type="body" sz="quarter" idx="1"/>
           </p:nvPr>
@@ -6148,8 +6206,8 @@
       </p:sp>
       <p:sp>
         <p:nvSpPr>
-          <p:cNvPr id="214" name="Shape 214"/>
-          <p:cNvSpPr/>
+          <p:cNvPr id="214" name="File: month.html…"/>
+          <p:cNvSpPr txBox="1"/>
           <p:nvPr/>
         </p:nvSpPr>
         <p:spPr>
@@ -6229,8 +6287,8 @@
       </p:sp>
       <p:sp>
         <p:nvSpPr>
-          <p:cNvPr id="215" name="Shape 215"/>
-          <p:cNvSpPr/>
+          <p:cNvPr id="215" name="File: week.html…"/>
+          <p:cNvSpPr txBox="1"/>
           <p:nvPr/>
         </p:nvSpPr>
         <p:spPr>
@@ -6336,8 +6394,8 @@
       </p:grpSpPr>
       <p:sp>
         <p:nvSpPr>
-          <p:cNvPr id="217" name="Shape 217"/>
-          <p:cNvSpPr/>
+          <p:cNvPr id="217" name="Lab: Nesting Step 1"/>
+          <p:cNvSpPr txBox="1"/>
           <p:nvPr>
             <p:ph type="title"/>
           </p:nvPr>
@@ -6360,8 +6418,8 @@
       </p:sp>
       <p:sp>
         <p:nvSpPr>
-          <p:cNvPr id="218" name="Shape 218"/>
-          <p:cNvSpPr/>
+          <p:cNvPr id="218" name="For Song and Artist Components……"/>
+          <p:cNvSpPr txBox="1"/>
           <p:nvPr>
             <p:ph type="body" idx="1"/>
           </p:nvPr>
@@ -6465,8 +6523,8 @@
       </p:grpSpPr>
       <p:sp>
         <p:nvSpPr>
-          <p:cNvPr id="220" name="Shape 220"/>
-          <p:cNvSpPr/>
+          <p:cNvPr id="220" name="Lab: Nesting Step 2"/>
+          <p:cNvSpPr txBox="1"/>
           <p:nvPr>
             <p:ph type="title"/>
           </p:nvPr>
@@ -6489,8 +6547,8 @@
       </p:sp>
       <p:sp>
         <p:nvSpPr>
-          <p:cNvPr id="221" name="Shape 221"/>
-          <p:cNvSpPr/>
+          <p:cNvPr id="221" name="Create a Component for Performance…"/>
+          <p:cNvSpPr txBox="1"/>
           <p:nvPr>
             <p:ph type="body" idx="1"/>
           </p:nvPr>
@@ -6573,8 +6631,8 @@
       </p:grpSpPr>
       <p:sp>
         <p:nvSpPr>
-          <p:cNvPr id="128" name="Shape 128"/>
-          <p:cNvSpPr/>
+          <p:cNvPr id="128" name="Components"/>
+          <p:cNvSpPr txBox="1"/>
           <p:nvPr>
             <p:ph type="title"/>
           </p:nvPr>
@@ -6597,8 +6655,8 @@
       </p:sp>
       <p:sp>
         <p:nvSpPr>
-          <p:cNvPr id="129" name="Shape 129"/>
-          <p:cNvSpPr/>
+          <p:cNvPr id="129" name="App functionality…"/>
+          <p:cNvSpPr txBox="1"/>
           <p:nvPr>
             <p:ph type="body" idx="1"/>
           </p:nvPr>
@@ -6674,8 +6732,8 @@
       </p:grpSpPr>
       <p:sp>
         <p:nvSpPr>
-          <p:cNvPr id="131" name="Shape 131"/>
-          <p:cNvSpPr/>
+          <p:cNvPr id="131" name="Components"/>
+          <p:cNvSpPr txBox="1"/>
           <p:nvPr>
             <p:ph type="title"/>
           </p:nvPr>
@@ -6698,8 +6756,8 @@
       </p:sp>
       <p:sp>
         <p:nvSpPr>
-          <p:cNvPr id="132" name="Shape 132"/>
-          <p:cNvSpPr/>
+          <p:cNvPr id="132" name="Self-containment…"/>
+          <p:cNvSpPr txBox="1"/>
           <p:nvPr>
             <p:ph type="body" idx="1"/>
           </p:nvPr>
@@ -6781,8 +6839,8 @@
       </p:grpSpPr>
       <p:sp>
         <p:nvSpPr>
-          <p:cNvPr id="134" name="Shape 134"/>
-          <p:cNvSpPr/>
+          <p:cNvPr id="134" name="Components"/>
+          <p:cNvSpPr txBox="1"/>
           <p:nvPr>
             <p:ph type="title"/>
           </p:nvPr>
@@ -6805,8 +6863,8 @@
       </p:sp>
       <p:sp>
         <p:nvSpPr>
-          <p:cNvPr id="135" name="Shape 135"/>
-          <p:cNvSpPr/>
+          <p:cNvPr id="135" name="Decoration…"/>
+          <p:cNvSpPr txBox="1"/>
           <p:nvPr>
             <p:ph type="body" idx="1"/>
           </p:nvPr>
@@ -6888,8 +6946,8 @@
       </p:grpSpPr>
       <p:sp>
         <p:nvSpPr>
-          <p:cNvPr id="137" name="Shape 137"/>
-          <p:cNvSpPr/>
+          <p:cNvPr id="137" name="Components"/>
+          <p:cNvSpPr txBox="1"/>
           <p:nvPr>
             <p:ph type="title"/>
           </p:nvPr>
@@ -6912,8 +6970,8 @@
       </p:sp>
       <p:sp>
         <p:nvSpPr>
-          <p:cNvPr id="138" name="Shape 138"/>
-          <p:cNvSpPr/>
+          <p:cNvPr id="138" name="Data (Model)…"/>
+          <p:cNvSpPr txBox="1"/>
           <p:nvPr>
             <p:ph type="body" idx="1"/>
           </p:nvPr>
@@ -7001,8 +7059,8 @@
       </p:grpSpPr>
       <p:sp>
         <p:nvSpPr>
-          <p:cNvPr id="140" name="Shape 140"/>
-          <p:cNvSpPr/>
+          <p:cNvPr id="140" name="Components"/>
+          <p:cNvSpPr txBox="1"/>
           <p:nvPr>
             <p:ph type="title"/>
           </p:nvPr>
@@ -7025,8 +7083,8 @@
       </p:sp>
       <p:sp>
         <p:nvSpPr>
-          <p:cNvPr id="141" name="Shape 141"/>
-          <p:cNvSpPr/>
+          <p:cNvPr id="141" name="Template (View)…"/>
+          <p:cNvSpPr txBox="1"/>
           <p:nvPr>
             <p:ph type="body" idx="1"/>
           </p:nvPr>
@@ -7102,8 +7160,8 @@
       </p:grpSpPr>
       <p:sp>
         <p:nvSpPr>
-          <p:cNvPr id="143" name="Shape 143"/>
-          <p:cNvSpPr/>
+          <p:cNvPr id="143" name="Components"/>
+          <p:cNvSpPr txBox="1"/>
           <p:nvPr>
             <p:ph type="title"/>
           </p:nvPr>
@@ -7126,8 +7184,8 @@
       </p:sp>
       <p:sp>
         <p:nvSpPr>
-          <p:cNvPr id="144" name="Shape 144"/>
-          <p:cNvSpPr/>
+          <p:cNvPr id="144" name="Template (Directives)…"/>
+          <p:cNvSpPr txBox="1"/>
           <p:nvPr>
             <p:ph type="body" idx="1"/>
           </p:nvPr>
